--- a/Calendario2022/Presentaciones/6_MediosComunicacion.pptx
+++ b/Calendario2022/Presentaciones/6_MediosComunicacion.pptx
@@ -237,7 +237,7 @@
           <a:p>
             <a:fld id="{2D445F07-8756-451B-A938-0248325FC7BB}" type="datetimeFigureOut">
               <a:rPr lang="es-MX" smtClean="0"/>
-              <a:t>24/04/2022</a:t>
+              <a:t>15/05/2022</a:t>
             </a:fld>
             <a:endParaRPr lang="es-MX" dirty="0"/>
           </a:p>
@@ -1859,7 +1859,7 @@
           <a:p>
             <a:fld id="{5E75A0DC-66C6-4CEC-A5EB-F8C97CEC3796}" type="datetimeFigureOut">
               <a:rPr lang="es-MX" smtClean="0"/>
-              <a:t>24/04/2022</a:t>
+              <a:t>15/05/2022</a:t>
             </a:fld>
             <a:endParaRPr lang="es-MX" dirty="0"/>
           </a:p>
@@ -2029,7 +2029,7 @@
           <a:p>
             <a:fld id="{5E75A0DC-66C6-4CEC-A5EB-F8C97CEC3796}" type="datetimeFigureOut">
               <a:rPr lang="es-MX" smtClean="0"/>
-              <a:t>24/04/2022</a:t>
+              <a:t>15/05/2022</a:t>
             </a:fld>
             <a:endParaRPr lang="es-MX" dirty="0"/>
           </a:p>
@@ -2209,7 +2209,7 @@
           <a:p>
             <a:fld id="{5E75A0DC-66C6-4CEC-A5EB-F8C97CEC3796}" type="datetimeFigureOut">
               <a:rPr lang="es-MX" smtClean="0"/>
-              <a:t>24/04/2022</a:t>
+              <a:t>15/05/2022</a:t>
             </a:fld>
             <a:endParaRPr lang="es-MX" dirty="0"/>
           </a:p>
@@ -2450,7 +2450,7 @@
           <a:p>
             <a:fld id="{1D8BD707-D9CF-40AE-B4C6-C98DA3205C09}" type="datetimeFigureOut">
               <a:rPr lang="en-US"/>
-              <a:t>4/24/2022</a:t>
+              <a:t>5/15/2022</a:t>
             </a:fld>
             <a:endParaRPr lang="en-US"/>
           </a:p>
@@ -2915,7 +2915,7 @@
           <a:p>
             <a:fld id="{5E75A0DC-66C6-4CEC-A5EB-F8C97CEC3796}" type="datetimeFigureOut">
               <a:rPr lang="es-MX" smtClean="0"/>
-              <a:t>24/04/2022</a:t>
+              <a:t>15/05/2022</a:t>
             </a:fld>
             <a:endParaRPr lang="es-MX" dirty="0"/>
           </a:p>
@@ -3161,7 +3161,7 @@
           <a:p>
             <a:fld id="{5E75A0DC-66C6-4CEC-A5EB-F8C97CEC3796}" type="datetimeFigureOut">
               <a:rPr lang="es-MX" smtClean="0"/>
-              <a:t>24/04/2022</a:t>
+              <a:t>15/05/2022</a:t>
             </a:fld>
             <a:endParaRPr lang="es-MX" dirty="0"/>
           </a:p>
@@ -3449,7 +3449,7 @@
           <a:p>
             <a:fld id="{5E75A0DC-66C6-4CEC-A5EB-F8C97CEC3796}" type="datetimeFigureOut">
               <a:rPr lang="es-MX" smtClean="0"/>
-              <a:t>24/04/2022</a:t>
+              <a:t>15/05/2022</a:t>
             </a:fld>
             <a:endParaRPr lang="es-MX" dirty="0"/>
           </a:p>
@@ -3871,7 +3871,7 @@
           <a:p>
             <a:fld id="{5E75A0DC-66C6-4CEC-A5EB-F8C97CEC3796}" type="datetimeFigureOut">
               <a:rPr lang="es-MX" smtClean="0"/>
-              <a:t>24/04/2022</a:t>
+              <a:t>15/05/2022</a:t>
             </a:fld>
             <a:endParaRPr lang="es-MX" dirty="0"/>
           </a:p>
@@ -3989,7 +3989,7 @@
           <a:p>
             <a:fld id="{5E75A0DC-66C6-4CEC-A5EB-F8C97CEC3796}" type="datetimeFigureOut">
               <a:rPr lang="es-MX" smtClean="0"/>
-              <a:t>24/04/2022</a:t>
+              <a:t>15/05/2022</a:t>
             </a:fld>
             <a:endParaRPr lang="es-MX" dirty="0"/>
           </a:p>
@@ -4084,7 +4084,7 @@
           <a:p>
             <a:fld id="{5E75A0DC-66C6-4CEC-A5EB-F8C97CEC3796}" type="datetimeFigureOut">
               <a:rPr lang="es-MX" smtClean="0"/>
-              <a:t>24/04/2022</a:t>
+              <a:t>15/05/2022</a:t>
             </a:fld>
             <a:endParaRPr lang="es-MX" dirty="0"/>
           </a:p>
@@ -4361,7 +4361,7 @@
           <a:p>
             <a:fld id="{5E75A0DC-66C6-4CEC-A5EB-F8C97CEC3796}" type="datetimeFigureOut">
               <a:rPr lang="es-MX" smtClean="0"/>
-              <a:t>24/04/2022</a:t>
+              <a:t>15/05/2022</a:t>
             </a:fld>
             <a:endParaRPr lang="es-MX" dirty="0"/>
           </a:p>
@@ -4614,7 +4614,7 @@
           <a:p>
             <a:fld id="{5E75A0DC-66C6-4CEC-A5EB-F8C97CEC3796}" type="datetimeFigureOut">
               <a:rPr lang="es-MX" smtClean="0"/>
-              <a:t>24/04/2022</a:t>
+              <a:t>15/05/2022</a:t>
             </a:fld>
             <a:endParaRPr lang="es-MX" dirty="0"/>
           </a:p>
@@ -4827,7 +4827,7 @@
           <a:p>
             <a:fld id="{5E75A0DC-66C6-4CEC-A5EB-F8C97CEC3796}" type="datetimeFigureOut">
               <a:rPr lang="es-MX" smtClean="0"/>
-              <a:t>24/04/2022</a:t>
+              <a:t>15/05/2022</a:t>
             </a:fld>
             <a:endParaRPr lang="es-MX" dirty="0"/>
           </a:p>
@@ -25780,7 +25780,7 @@
           <p:nvPr>
             <p:extLst>
               <p:ext uri="{D42A27DB-BD31-4B8C-83A1-F6EECF244321}">
-                <p14:modId xmlns:p14="http://schemas.microsoft.com/office/powerpoint/2010/main" val="2622951626"/>
+                <p14:modId xmlns:p14="http://schemas.microsoft.com/office/powerpoint/2010/main" val="4145168999"/>
               </p:ext>
             </p:extLst>
           </p:nvPr>
@@ -26037,75 +26037,21 @@
                         </a:tabLst>
                       </a:pPr>
                       <a:r>
-                        <a:rPr sz="1800" spc="-75" dirty="0">
+                        <a:rPr sz="1800">
+                          <a:latin typeface="Calibri"/>
+                          <a:cs typeface="Calibri"/>
+                        </a:rPr>
+                        <a:t>U</a:t>
+                      </a:r>
+                      <a:r>
+                        <a:rPr sz="1800" spc="-10">
                           <a:latin typeface="Calibri"/>
                           <a:cs typeface="Calibri"/>
                         </a:rPr>
                         <a:t>T</a:t>
                       </a:r>
                       <a:r>
-                        <a:rPr sz="1800" dirty="0">
-                          <a:latin typeface="Calibri"/>
-                          <a:cs typeface="Calibri"/>
-                        </a:rPr>
-                        <a:t>w</a:t>
-                      </a:r>
-                      <a:r>
-                        <a:rPr sz="1800" spc="-10" dirty="0">
-                          <a:latin typeface="Calibri"/>
-                          <a:cs typeface="Calibri"/>
-                        </a:rPr>
-                        <a:t>i</a:t>
-                      </a:r>
-                      <a:r>
-                        <a:rPr sz="1800" dirty="0">
-                          <a:latin typeface="Calibri"/>
-                          <a:cs typeface="Calibri"/>
-                        </a:rPr>
-                        <a:t>n-</a:t>
-                      </a:r>
-                      <a:r>
-                        <a:rPr sz="1800" spc="-15" dirty="0">
-                          <a:latin typeface="Calibri"/>
-                          <a:cs typeface="Calibri"/>
-                        </a:rPr>
-                        <a:t>a</a:t>
-                      </a:r>
-                      <a:r>
-                        <a:rPr sz="1800" dirty="0">
-                          <a:latin typeface="Calibri"/>
-                          <a:cs typeface="Calibri"/>
-                        </a:rPr>
-                        <a:t>x</a:t>
-                      </a:r>
-                    </a:p>
-                    <a:p>
-                      <a:pPr marL="349885" indent="-287020">
-                        <a:lnSpc>
-                          <a:spcPct val="100000"/>
-                        </a:lnSpc>
-                        <a:buFont typeface="Arial"/>
-                        <a:buChar char="•"/>
-                        <a:tabLst>
-                          <a:tab pos="350520" algn="l"/>
-                        </a:tabLst>
-                      </a:pPr>
-                      <a:r>
-                        <a:rPr sz="1800" dirty="0">
-                          <a:latin typeface="Calibri"/>
-                          <a:cs typeface="Calibri"/>
-                        </a:rPr>
-                        <a:t>U</a:t>
-                      </a:r>
-                      <a:r>
-                        <a:rPr sz="1800" spc="-10" dirty="0">
-                          <a:latin typeface="Calibri"/>
-                          <a:cs typeface="Calibri"/>
-                        </a:rPr>
-                        <a:t>T</a:t>
-                      </a:r>
-                      <a:r>
-                        <a:rPr sz="1800" spc="-240" dirty="0">
+                        <a:rPr sz="1800" spc="-240">
                           <a:latin typeface="Calibri"/>
                           <a:cs typeface="Calibri"/>
                         </a:rPr>
